--- a/Winter crisis and impact of Covid - 19.pptx
+++ b/Winter crisis and impact of Covid - 19.pptx
@@ -109,6 +109,11 @@
       </a:defRPr>
     </a:lvl9pPr>
   </p:defaultTextStyle>
+  <p:extLst>
+    <p:ext uri="{EFAFB233-063F-42B5-8137-9DF3F51BA10A}">
+      <p15:sldGuideLst xmlns:p15="http://schemas.microsoft.com/office/powerpoint/2012/main"/>
+    </p:ext>
+  </p:extLst>
 </p:presentation>
 </file>
 
@@ -194,7 +199,7 @@
           <a:p>
             <a:fld id="{91DEE57C-C682-45D4-86E3-D0E0697DE1A2}" type="datetimeFigureOut">
               <a:rPr lang="en-GB" smtClean="0"/>
-              <a:t>31/08/2022</a:t>
+              <a:t>02/09/2022</a:t>
             </a:fld>
             <a:endParaRPr lang="en-GB"/>
           </a:p>
@@ -705,7 +710,7 @@
           <a:p>
             <a:fld id="{542B10CE-E1A2-4DB2-870C-D777EF0743BE}" type="datetimeFigureOut">
               <a:rPr lang="en-GB" smtClean="0"/>
-              <a:t>31/08/2022</a:t>
+              <a:t>02/09/2022</a:t>
             </a:fld>
             <a:endParaRPr lang="en-GB"/>
           </a:p>
@@ -905,7 +910,7 @@
           <a:p>
             <a:fld id="{542B10CE-E1A2-4DB2-870C-D777EF0743BE}" type="datetimeFigureOut">
               <a:rPr lang="en-GB" smtClean="0"/>
-              <a:t>31/08/2022</a:t>
+              <a:t>02/09/2022</a:t>
             </a:fld>
             <a:endParaRPr lang="en-GB"/>
           </a:p>
@@ -1115,7 +1120,7 @@
           <a:p>
             <a:fld id="{542B10CE-E1A2-4DB2-870C-D777EF0743BE}" type="datetimeFigureOut">
               <a:rPr lang="en-GB" smtClean="0"/>
-              <a:t>31/08/2022</a:t>
+              <a:t>02/09/2022</a:t>
             </a:fld>
             <a:endParaRPr lang="en-GB"/>
           </a:p>
@@ -1315,7 +1320,7 @@
           <a:p>
             <a:fld id="{542B10CE-E1A2-4DB2-870C-D777EF0743BE}" type="datetimeFigureOut">
               <a:rPr lang="en-GB" smtClean="0"/>
-              <a:t>31/08/2022</a:t>
+              <a:t>02/09/2022</a:t>
             </a:fld>
             <a:endParaRPr lang="en-GB"/>
           </a:p>
@@ -1591,7 +1596,7 @@
           <a:p>
             <a:fld id="{542B10CE-E1A2-4DB2-870C-D777EF0743BE}" type="datetimeFigureOut">
               <a:rPr lang="en-GB" smtClean="0"/>
-              <a:t>31/08/2022</a:t>
+              <a:t>02/09/2022</a:t>
             </a:fld>
             <a:endParaRPr lang="en-GB"/>
           </a:p>
@@ -1859,7 +1864,7 @@
           <a:p>
             <a:fld id="{542B10CE-E1A2-4DB2-870C-D777EF0743BE}" type="datetimeFigureOut">
               <a:rPr lang="en-GB" smtClean="0"/>
-              <a:t>31/08/2022</a:t>
+              <a:t>02/09/2022</a:t>
             </a:fld>
             <a:endParaRPr lang="en-GB"/>
           </a:p>
@@ -2274,7 +2279,7 @@
           <a:p>
             <a:fld id="{542B10CE-E1A2-4DB2-870C-D777EF0743BE}" type="datetimeFigureOut">
               <a:rPr lang="en-GB" smtClean="0"/>
-              <a:t>31/08/2022</a:t>
+              <a:t>02/09/2022</a:t>
             </a:fld>
             <a:endParaRPr lang="en-GB"/>
           </a:p>
@@ -2416,7 +2421,7 @@
           <a:p>
             <a:fld id="{542B10CE-E1A2-4DB2-870C-D777EF0743BE}" type="datetimeFigureOut">
               <a:rPr lang="en-GB" smtClean="0"/>
-              <a:t>31/08/2022</a:t>
+              <a:t>02/09/2022</a:t>
             </a:fld>
             <a:endParaRPr lang="en-GB"/>
           </a:p>
@@ -2529,7 +2534,7 @@
           <a:p>
             <a:fld id="{542B10CE-E1A2-4DB2-870C-D777EF0743BE}" type="datetimeFigureOut">
               <a:rPr lang="en-GB" smtClean="0"/>
-              <a:t>31/08/2022</a:t>
+              <a:t>02/09/2022</a:t>
             </a:fld>
             <a:endParaRPr lang="en-GB"/>
           </a:p>
@@ -2842,7 +2847,7 @@
           <a:p>
             <a:fld id="{542B10CE-E1A2-4DB2-870C-D777EF0743BE}" type="datetimeFigureOut">
               <a:rPr lang="en-GB" smtClean="0"/>
-              <a:t>31/08/2022</a:t>
+              <a:t>02/09/2022</a:t>
             </a:fld>
             <a:endParaRPr lang="en-GB"/>
           </a:p>
@@ -3131,7 +3136,7 @@
           <a:p>
             <a:fld id="{542B10CE-E1A2-4DB2-870C-D777EF0743BE}" type="datetimeFigureOut">
               <a:rPr lang="en-GB" smtClean="0"/>
-              <a:t>31/08/2022</a:t>
+              <a:t>02/09/2022</a:t>
             </a:fld>
             <a:endParaRPr lang="en-GB"/>
           </a:p>
@@ -3374,7 +3379,7 @@
           <a:p>
             <a:fld id="{542B10CE-E1A2-4DB2-870C-D777EF0743BE}" type="datetimeFigureOut">
               <a:rPr lang="en-GB" smtClean="0"/>
-              <a:t>31/08/2022</a:t>
+              <a:t>02/09/2022</a:t>
             </a:fld>
             <a:endParaRPr lang="en-GB"/>
           </a:p>
@@ -3868,8 +3873,8 @@
           <a:p>
             <a:pPr algn="r"/>
             <a:r>
-              <a:rPr lang="en-GB" dirty="0"/>
-              <a:t>Nico </a:t>
+              <a:rPr lang="en-GB"/>
+              <a:t>Nicolo </a:t>
             </a:r>
             <a:r>
               <a:rPr lang="en-GB" dirty="0" err="1"/>
